--- a/Android/GradProj/포스터.pptx
+++ b/Android/GradProj/포스터.pptx
@@ -123,10 +123,6 @@
 </p:presentation>
 </file>
 
-<file path=ppt/revisionInfo.xml><?xml version="1.0" encoding="utf-8"?>
-<p1510:revInfo xmlns:a="http://schemas.openxmlformats.org/drawingml/2006/main" xmlns:r="http://schemas.openxmlformats.org/officeDocument/2006/relationships" xmlns:p1510="http://schemas.microsoft.com/office/powerpoint/2015/10/main"/>
-</file>
-
 <file path=ppt/slideLayouts/slideLayout1.xml><?xml version="1.0" encoding="utf-8"?>
 <p:sldLayout xmlns:a="http://schemas.openxmlformats.org/drawingml/2006/main" xmlns:r="http://schemas.openxmlformats.org/officeDocument/2006/relationships" xmlns:p="http://schemas.openxmlformats.org/presentationml/2006/main" type="title" preserve="1">
   <p:cSld name="제목 슬라이드">
@@ -258,7 +254,7 @@
           <a:p>
             <a:fld id="{F6EB843E-E2DD-4E24-ACE3-222CD8B91AE5}" type="datetimeFigureOut">
               <a:rPr lang="ko-KR" altLang="en-US" smtClean="0"/>
-              <a:t>2017-10-24</a:t>
+              <a:t>2018-08-16</a:t>
             </a:fld>
             <a:endParaRPr lang="ko-KR" altLang="en-US"/>
           </a:p>
@@ -428,7 +424,7 @@
           <a:p>
             <a:fld id="{F6EB843E-E2DD-4E24-ACE3-222CD8B91AE5}" type="datetimeFigureOut">
               <a:rPr lang="ko-KR" altLang="en-US" smtClean="0"/>
-              <a:t>2017-10-24</a:t>
+              <a:t>2018-08-16</a:t>
             </a:fld>
             <a:endParaRPr lang="ko-KR" altLang="en-US"/>
           </a:p>
@@ -608,7 +604,7 @@
           <a:p>
             <a:fld id="{F6EB843E-E2DD-4E24-ACE3-222CD8B91AE5}" type="datetimeFigureOut">
               <a:rPr lang="ko-KR" altLang="en-US" smtClean="0"/>
-              <a:t>2017-10-24</a:t>
+              <a:t>2018-08-16</a:t>
             </a:fld>
             <a:endParaRPr lang="ko-KR" altLang="en-US"/>
           </a:p>
@@ -1983,7 +1979,7 @@
           <a:p>
             <a:fld id="{F6EB843E-E2DD-4E24-ACE3-222CD8B91AE5}" type="datetimeFigureOut">
               <a:rPr lang="ko-KR" altLang="en-US" smtClean="0"/>
-              <a:t>2017-10-24</a:t>
+              <a:t>2018-08-16</a:t>
             </a:fld>
             <a:endParaRPr lang="ko-KR" altLang="en-US"/>
           </a:p>
@@ -2227,7 +2223,7 @@
           <a:p>
             <a:fld id="{F6EB843E-E2DD-4E24-ACE3-222CD8B91AE5}" type="datetimeFigureOut">
               <a:rPr lang="ko-KR" altLang="en-US" smtClean="0"/>
-              <a:t>2017-10-24</a:t>
+              <a:t>2018-08-16</a:t>
             </a:fld>
             <a:endParaRPr lang="ko-KR" altLang="en-US"/>
           </a:p>
@@ -2459,7 +2455,7 @@
           <a:p>
             <a:fld id="{F6EB843E-E2DD-4E24-ACE3-222CD8B91AE5}" type="datetimeFigureOut">
               <a:rPr lang="ko-KR" altLang="en-US" smtClean="0"/>
-              <a:t>2017-10-24</a:t>
+              <a:t>2018-08-16</a:t>
             </a:fld>
             <a:endParaRPr lang="ko-KR" altLang="en-US"/>
           </a:p>
@@ -2826,7 +2822,7 @@
           <a:p>
             <a:fld id="{F6EB843E-E2DD-4E24-ACE3-222CD8B91AE5}" type="datetimeFigureOut">
               <a:rPr lang="ko-KR" altLang="en-US" smtClean="0"/>
-              <a:t>2017-10-24</a:t>
+              <a:t>2018-08-16</a:t>
             </a:fld>
             <a:endParaRPr lang="ko-KR" altLang="en-US"/>
           </a:p>
@@ -2944,7 +2940,7 @@
           <a:p>
             <a:fld id="{F6EB843E-E2DD-4E24-ACE3-222CD8B91AE5}" type="datetimeFigureOut">
               <a:rPr lang="ko-KR" altLang="en-US" smtClean="0"/>
-              <a:t>2017-10-24</a:t>
+              <a:t>2018-08-16</a:t>
             </a:fld>
             <a:endParaRPr lang="ko-KR" altLang="en-US"/>
           </a:p>
@@ -3039,7 +3035,7 @@
           <a:p>
             <a:fld id="{F6EB843E-E2DD-4E24-ACE3-222CD8B91AE5}" type="datetimeFigureOut">
               <a:rPr lang="ko-KR" altLang="en-US" smtClean="0"/>
-              <a:t>2017-10-24</a:t>
+              <a:t>2018-08-16</a:t>
             </a:fld>
             <a:endParaRPr lang="ko-KR" altLang="en-US"/>
           </a:p>
@@ -3316,7 +3312,7 @@
           <a:p>
             <a:fld id="{F6EB843E-E2DD-4E24-ACE3-222CD8B91AE5}" type="datetimeFigureOut">
               <a:rPr lang="ko-KR" altLang="en-US" smtClean="0"/>
-              <a:t>2017-10-24</a:t>
+              <a:t>2018-08-16</a:t>
             </a:fld>
             <a:endParaRPr lang="ko-KR" altLang="en-US"/>
           </a:p>
@@ -3573,7 +3569,7 @@
           <a:p>
             <a:fld id="{F6EB843E-E2DD-4E24-ACE3-222CD8B91AE5}" type="datetimeFigureOut">
               <a:rPr lang="ko-KR" altLang="en-US" smtClean="0"/>
-              <a:t>2017-10-24</a:t>
+              <a:t>2018-08-16</a:t>
             </a:fld>
             <a:endParaRPr lang="ko-KR" altLang="en-US"/>
           </a:p>
@@ -3786,7 +3782,7 @@
           <a:p>
             <a:fld id="{F6EB843E-E2DD-4E24-ACE3-222CD8B91AE5}" type="datetimeFigureOut">
               <a:rPr lang="ko-KR" altLang="en-US" smtClean="0"/>
-              <a:t>2017-10-24</a:t>
+              <a:t>2018-08-16</a:t>
             </a:fld>
             <a:endParaRPr lang="ko-KR" altLang="en-US"/>
           </a:p>
@@ -5866,85 +5862,6 @@
       </p:cxnSp>
       <p:sp>
         <p:nvSpPr>
-          <p:cNvPr id="22" name="TextBox 21">
-            <a:extLst>
-              <a:ext uri="{FF2B5EF4-FFF2-40B4-BE49-F238E27FC236}">
-                <a16:creationId xmlns:a16="http://schemas.microsoft.com/office/drawing/2014/main" id="{8678C07A-01BA-49E2-80FF-F0C7AE5E4741}"/>
-              </a:ext>
-            </a:extLst>
-          </p:cNvPr>
-          <p:cNvSpPr txBox="1"/>
-          <p:nvPr/>
-        </p:nvSpPr>
-        <p:spPr>
-          <a:xfrm>
-            <a:off x="4664225" y="1665995"/>
-            <a:ext cx="3074881" cy="399340"/>
-          </a:xfrm>
-          <a:prstGeom prst="rect">
-            <a:avLst/>
-          </a:prstGeom>
-          <a:noFill/>
-        </p:spPr>
-        <p:txBody>
-          <a:bodyPr wrap="none" rtlCol="0">
-            <a:spAutoFit/>
-          </a:bodyPr>
-          <a:lstStyle/>
-          <a:p>
-            <a:pPr algn="ctr"/>
-            <a:r>
-              <a:rPr lang="ko-KR" altLang="en-US" sz="1995" dirty="0">
-                <a:solidFill>
-                  <a:schemeClr val="bg1"/>
-                </a:solidFill>
-                <a:latin typeface="Adobe 고딕 Std B" panose="020B0800000000000000" pitchFamily="34" charset="-127"/>
-                <a:ea typeface="Adobe 고딕 Std B" panose="020B0800000000000000" pitchFamily="34" charset="-127"/>
-              </a:rPr>
-              <a:t>지도교수 </a:t>
-            </a:r>
-            <a:r>
-              <a:rPr lang="en-US" altLang="ko-KR" sz="1995" dirty="0">
-                <a:solidFill>
-                  <a:schemeClr val="bg1"/>
-                </a:solidFill>
-                <a:latin typeface="Adobe 고딕 Std B" panose="020B0800000000000000" pitchFamily="34" charset="-127"/>
-                <a:ea typeface="Adobe 고딕 Std B" panose="020B0800000000000000" pitchFamily="34" charset="-127"/>
-              </a:rPr>
-              <a:t>: </a:t>
-            </a:r>
-            <a:r>
-              <a:rPr lang="ko-KR" altLang="en-US" sz="1995" dirty="0" err="1">
-                <a:solidFill>
-                  <a:schemeClr val="bg1"/>
-                </a:solidFill>
-                <a:latin typeface="Adobe 고딕 Std B" panose="020B0800000000000000" pitchFamily="34" charset="-127"/>
-                <a:ea typeface="Adobe 고딕 Std B" panose="020B0800000000000000" pitchFamily="34" charset="-127"/>
-              </a:rPr>
-              <a:t>최성곤</a:t>
-            </a:r>
-            <a:r>
-              <a:rPr lang="ko-KR" altLang="en-US" sz="1995" dirty="0">
-                <a:solidFill>
-                  <a:schemeClr val="bg1"/>
-                </a:solidFill>
-                <a:latin typeface="Adobe 고딕 Std B" panose="020B0800000000000000" pitchFamily="34" charset="-127"/>
-                <a:ea typeface="Adobe 고딕 Std B" panose="020B0800000000000000" pitchFamily="34" charset="-127"/>
-              </a:rPr>
-              <a:t> 교수님</a:t>
-            </a:r>
-            <a:endParaRPr lang="en-US" altLang="ko-KR" sz="1995" dirty="0">
-              <a:solidFill>
-                <a:schemeClr val="bg1"/>
-              </a:solidFill>
-              <a:latin typeface="Adobe 고딕 Std B" panose="020B0800000000000000" pitchFamily="34" charset="-127"/>
-              <a:ea typeface="Adobe 고딕 Std B" panose="020B0800000000000000" pitchFamily="34" charset="-127"/>
-            </a:endParaRPr>
-          </a:p>
-        </p:txBody>
-      </p:sp>
-      <p:sp>
-        <p:nvSpPr>
           <p:cNvPr id="40" name="한쪽 모서리는 잘리고 다른 쪽 모서리는 둥근 사각형 9">
             <a:extLst>
               <a:ext uri="{FF2B5EF4-FFF2-40B4-BE49-F238E27FC236}">
